--- a/Linux高级环境编程实验/实验一/实验一.pptx
+++ b/Linux高级环境编程实验/实验一/实验一.pptx
@@ -300,7 +300,7 @@
           <a:p>
             <a:fld id="{34985AAF-77B2-4E28-ABB3-015C78E8F6EC}" type="datetimeFigureOut">
               <a:rPr lang="zh-CN" altLang="en-US" smtClean="0"/>
-              <a:t>2018/11/9</a:t>
+              <a:t>2019/11/18</a:t>
             </a:fld>
             <a:endParaRPr lang="zh-CN" altLang="en-US"/>
           </a:p>
@@ -470,7 +470,7 @@
           <a:p>
             <a:fld id="{34985AAF-77B2-4E28-ABB3-015C78E8F6EC}" type="datetimeFigureOut">
               <a:rPr lang="zh-CN" altLang="en-US" smtClean="0"/>
-              <a:t>2018/11/9</a:t>
+              <a:t>2019/11/18</a:t>
             </a:fld>
             <a:endParaRPr lang="zh-CN" altLang="en-US"/>
           </a:p>
@@ -650,7 +650,7 @@
           <a:p>
             <a:fld id="{34985AAF-77B2-4E28-ABB3-015C78E8F6EC}" type="datetimeFigureOut">
               <a:rPr lang="zh-CN" altLang="en-US" smtClean="0"/>
-              <a:t>2018/11/9</a:t>
+              <a:t>2019/11/18</a:t>
             </a:fld>
             <a:endParaRPr lang="zh-CN" altLang="en-US"/>
           </a:p>
@@ -767,7 +767,7 @@
           <a:p>
             <a:fld id="{E46D53FA-09FD-43CE-9E04-B5276DE8729D}" type="datetimeFigureOut">
               <a:rPr lang="zh-CN" altLang="en-US" smtClean="0"/>
-              <a:t>2018/11/9</a:t>
+              <a:t>2019/11/18</a:t>
             </a:fld>
             <a:endParaRPr lang="zh-CN" altLang="en-US"/>
           </a:p>
@@ -999,7 +999,7 @@
           <a:p>
             <a:fld id="{34985AAF-77B2-4E28-ABB3-015C78E8F6EC}" type="datetimeFigureOut">
               <a:rPr lang="zh-CN" altLang="en-US" smtClean="0"/>
-              <a:t>2018/11/9</a:t>
+              <a:t>2019/11/18</a:t>
             </a:fld>
             <a:endParaRPr lang="zh-CN" altLang="en-US"/>
           </a:p>
@@ -1245,7 +1245,7 @@
           <a:p>
             <a:fld id="{34985AAF-77B2-4E28-ABB3-015C78E8F6EC}" type="datetimeFigureOut">
               <a:rPr lang="zh-CN" altLang="en-US" smtClean="0"/>
-              <a:t>2018/11/9</a:t>
+              <a:t>2019/11/18</a:t>
             </a:fld>
             <a:endParaRPr lang="zh-CN" altLang="en-US"/>
           </a:p>
@@ -1477,7 +1477,7 @@
           <a:p>
             <a:fld id="{34985AAF-77B2-4E28-ABB3-015C78E8F6EC}" type="datetimeFigureOut">
               <a:rPr lang="zh-CN" altLang="en-US" smtClean="0"/>
-              <a:t>2018/11/9</a:t>
+              <a:t>2019/11/18</a:t>
             </a:fld>
             <a:endParaRPr lang="zh-CN" altLang="en-US"/>
           </a:p>
@@ -1844,7 +1844,7 @@
           <a:p>
             <a:fld id="{34985AAF-77B2-4E28-ABB3-015C78E8F6EC}" type="datetimeFigureOut">
               <a:rPr lang="zh-CN" altLang="en-US" smtClean="0"/>
-              <a:t>2018/11/9</a:t>
+              <a:t>2019/11/18</a:t>
             </a:fld>
             <a:endParaRPr lang="zh-CN" altLang="en-US"/>
           </a:p>
@@ -1962,7 +1962,7 @@
           <a:p>
             <a:fld id="{34985AAF-77B2-4E28-ABB3-015C78E8F6EC}" type="datetimeFigureOut">
               <a:rPr lang="zh-CN" altLang="en-US" smtClean="0"/>
-              <a:t>2018/11/9</a:t>
+              <a:t>2019/11/18</a:t>
             </a:fld>
             <a:endParaRPr lang="zh-CN" altLang="en-US"/>
           </a:p>
@@ -2057,7 +2057,7 @@
           <a:p>
             <a:fld id="{34985AAF-77B2-4E28-ABB3-015C78E8F6EC}" type="datetimeFigureOut">
               <a:rPr lang="zh-CN" altLang="en-US" smtClean="0"/>
-              <a:t>2018/11/9</a:t>
+              <a:t>2019/11/18</a:t>
             </a:fld>
             <a:endParaRPr lang="zh-CN" altLang="en-US"/>
           </a:p>
@@ -2334,7 +2334,7 @@
           <a:p>
             <a:fld id="{34985AAF-77B2-4E28-ABB3-015C78E8F6EC}" type="datetimeFigureOut">
               <a:rPr lang="zh-CN" altLang="en-US" smtClean="0"/>
-              <a:t>2018/11/9</a:t>
+              <a:t>2019/11/18</a:t>
             </a:fld>
             <a:endParaRPr lang="zh-CN" altLang="en-US"/>
           </a:p>
@@ -2587,7 +2587,7 @@
           <a:p>
             <a:fld id="{34985AAF-77B2-4E28-ABB3-015C78E8F6EC}" type="datetimeFigureOut">
               <a:rPr lang="zh-CN" altLang="en-US" smtClean="0"/>
-              <a:t>2018/11/9</a:t>
+              <a:t>2019/11/18</a:t>
             </a:fld>
             <a:endParaRPr lang="zh-CN" altLang="en-US"/>
           </a:p>
@@ -2800,7 +2800,7 @@
           <a:p>
             <a:fld id="{34985AAF-77B2-4E28-ABB3-015C78E8F6EC}" type="datetimeFigureOut">
               <a:rPr lang="zh-CN" altLang="en-US" smtClean="0"/>
-              <a:t>2018/11/9</a:t>
+              <a:t>2019/11/18</a:t>
             </a:fld>
             <a:endParaRPr lang="zh-CN" altLang="en-US"/>
           </a:p>
@@ -7348,11 +7348,7 @@
             <a:pPr lvl="1"/>
             <a:r>
               <a:rPr lang="zh-CN" altLang="en-US" dirty="0" smtClean="0"/>
-              <a:t>之后可以</a:t>
-            </a:r>
-            <a:r>
-              <a:rPr lang="zh-CN" altLang="en-US" dirty="0" smtClean="0"/>
-              <a:t>使用</a:t>
+              <a:t>之后可以使用</a:t>
             </a:r>
             <a:r>
               <a:rPr lang="en-US" altLang="zh-CN" dirty="0" err="1" smtClean="0"/>
@@ -7360,11 +7356,7 @@
             </a:r>
             <a:r>
               <a:rPr lang="zh-CN" altLang="en-US" dirty="0" smtClean="0"/>
-              <a:t>连接</a:t>
-            </a:r>
-            <a:r>
-              <a:rPr lang="zh-CN" altLang="en-US" dirty="0" smtClean="0"/>
-              <a:t>虚拟机</a:t>
+              <a:t>连接虚拟机</a:t>
             </a:r>
             <a:endParaRPr lang="en-US" altLang="zh-CN" dirty="0" smtClean="0"/>
           </a:p>
@@ -7648,7 +7640,6 @@
               <a:rPr lang="zh-CN" altLang="en-US" dirty="0" smtClean="0"/>
               <a:t>配置</a:t>
             </a:r>
-            <a:endParaRPr lang="zh-CN" altLang="en-US" dirty="0" smtClean="0"/>
           </a:p>
           <a:p>
             <a:endParaRPr lang="en-US" altLang="zh-CN" dirty="0" smtClean="0"/>
@@ -7988,13 +7979,7 @@
               <a:rPr lang="en-US" altLang="zh-CN" dirty="0" smtClean="0">
                 <a:latin typeface="宋体" panose="02010600030101010101" pitchFamily="2" charset="-122"/>
               </a:rPr>
-              <a:t>在</a:t>
-            </a:r>
-            <a:r>
-              <a:rPr lang="en-US" altLang="zh-CN" dirty="0" smtClean="0">
-                <a:latin typeface="宋体" panose="02010600030101010101" pitchFamily="2" charset="-122"/>
-              </a:rPr>
-              <a:t>/</a:t>
+              <a:t>在/</a:t>
             </a:r>
             <a:r>
               <a:rPr lang="en-US" altLang="zh-CN" dirty="0" err="1" smtClean="0">
@@ -8012,13 +7997,7 @@
               <a:rPr lang="en-US" altLang="zh-CN" dirty="0" err="1" smtClean="0">
                 <a:latin typeface="宋体" panose="02010600030101010101" pitchFamily="2" charset="-122"/>
               </a:rPr>
-              <a:t>sources.list</a:t>
-            </a:r>
-            <a:r>
-              <a:rPr lang="en-US" altLang="zh-CN" dirty="0" err="1" smtClean="0">
-                <a:latin typeface="宋体" panose="02010600030101010101" pitchFamily="2" charset="-122"/>
-              </a:rPr>
-              <a:t>开头处加入软件源</a:t>
+              <a:t>sources.list开头处加入软件源</a:t>
             </a:r>
             <a:endParaRPr lang="en-US" altLang="zh-CN" dirty="0" smtClean="0">
               <a:latin typeface="宋体" panose="02010600030101010101" pitchFamily="2" charset="-122"/>
@@ -10593,11 +10572,6 @@
               </a:rPr>
               <a:t>配置</a:t>
             </a:r>
-            <a:endParaRPr lang="zh-CN" altLang="en-US" dirty="0" smtClean="0">
-              <a:solidFill>
-                <a:srgbClr val="C00000"/>
-              </a:solidFill>
-            </a:endParaRPr>
           </a:p>
         </p:txBody>
       </p:sp>
@@ -10900,7 +10874,6 @@
               <a:rPr lang="zh-CN" altLang="en-US" dirty="0" smtClean="0"/>
               <a:t>连接</a:t>
             </a:r>
-            <a:endParaRPr lang="zh-CN" altLang="en-US" dirty="0" smtClean="0"/>
           </a:p>
         </p:txBody>
       </p:sp>
@@ -13585,7 +13558,6 @@
               <a:rPr lang="zh-CN" altLang="en-US" dirty="0" smtClean="0"/>
               <a:t>配置</a:t>
             </a:r>
-            <a:endParaRPr lang="zh-CN" altLang="en-US" dirty="0" smtClean="0"/>
           </a:p>
           <a:p>
             <a:endParaRPr lang="en-US" altLang="zh-CN" dirty="0" smtClean="0"/>
@@ -17680,11 +17652,7 @@
             </a:r>
             <a:r>
               <a:rPr lang="zh-CN" altLang="en-US" sz="2400" dirty="0" smtClean="0"/>
-              <a:t>打开解压后目录中</a:t>
-            </a:r>
-            <a:r>
-              <a:rPr lang="zh-CN" altLang="en-US" sz="2400" dirty="0" smtClean="0"/>
-              <a:t>的</a:t>
+              <a:t>打开解压后目录中的</a:t>
             </a:r>
             <a:r>
               <a:rPr lang="en-US" altLang="zh-CN" sz="2400" dirty="0" err="1"/>
